--- a/Documents/Meeting Updates/MarchingMasters-1020.pptx
+++ b/Documents/Meeting Updates/MarchingMasters-1020.pptx
@@ -338,7 +338,7 @@
           <a:p>
             <a:fld id="{76A6DF96-24C9-6049-963C-8A018557765F}" type="datetimeFigureOut">
               <a:rPr lang="en-US" smtClean="0"/>
-              <a:t>10/17/2020</a:t>
+              <a:t>10/18/20</a:t>
             </a:fld>
             <a:endParaRPr lang="en-US"/>
           </a:p>
@@ -536,7 +536,7 @@
           <a:p>
             <a:fld id="{76A6DF96-24C9-6049-963C-8A018557765F}" type="datetimeFigureOut">
               <a:rPr lang="en-US" smtClean="0"/>
-              <a:t>10/17/2020</a:t>
+              <a:t>10/18/20</a:t>
             </a:fld>
             <a:endParaRPr lang="en-US"/>
           </a:p>
@@ -744,7 +744,7 @@
           <a:p>
             <a:fld id="{76A6DF96-24C9-6049-963C-8A018557765F}" type="datetimeFigureOut">
               <a:rPr lang="en-US" smtClean="0"/>
-              <a:t>10/17/2020</a:t>
+              <a:t>10/18/20</a:t>
             </a:fld>
             <a:endParaRPr lang="en-US"/>
           </a:p>
@@ -942,7 +942,7 @@
           <a:p>
             <a:fld id="{76A6DF96-24C9-6049-963C-8A018557765F}" type="datetimeFigureOut">
               <a:rPr lang="en-US" smtClean="0"/>
-              <a:t>10/17/2020</a:t>
+              <a:t>10/18/20</a:t>
             </a:fld>
             <a:endParaRPr lang="en-US"/>
           </a:p>
@@ -1217,7 +1217,7 @@
           <a:p>
             <a:fld id="{76A6DF96-24C9-6049-963C-8A018557765F}" type="datetimeFigureOut">
               <a:rPr lang="en-US" smtClean="0"/>
-              <a:t>10/17/2020</a:t>
+              <a:t>10/18/20</a:t>
             </a:fld>
             <a:endParaRPr lang="en-US"/>
           </a:p>
@@ -1482,7 +1482,7 @@
           <a:p>
             <a:fld id="{76A6DF96-24C9-6049-963C-8A018557765F}" type="datetimeFigureOut">
               <a:rPr lang="en-US" smtClean="0"/>
-              <a:t>10/17/2020</a:t>
+              <a:t>10/18/20</a:t>
             </a:fld>
             <a:endParaRPr lang="en-US"/>
           </a:p>
@@ -1894,7 +1894,7 @@
           <a:p>
             <a:fld id="{76A6DF96-24C9-6049-963C-8A018557765F}" type="datetimeFigureOut">
               <a:rPr lang="en-US" smtClean="0"/>
-              <a:t>10/17/2020</a:t>
+              <a:t>10/18/20</a:t>
             </a:fld>
             <a:endParaRPr lang="en-US"/>
           </a:p>
@@ -2035,7 +2035,7 @@
           <a:p>
             <a:fld id="{76A6DF96-24C9-6049-963C-8A018557765F}" type="datetimeFigureOut">
               <a:rPr lang="en-US" smtClean="0"/>
-              <a:t>10/17/2020</a:t>
+              <a:t>10/18/20</a:t>
             </a:fld>
             <a:endParaRPr lang="en-US"/>
           </a:p>
@@ -2148,7 +2148,7 @@
           <a:p>
             <a:fld id="{76A6DF96-24C9-6049-963C-8A018557765F}" type="datetimeFigureOut">
               <a:rPr lang="en-US" smtClean="0"/>
-              <a:t>10/17/2020</a:t>
+              <a:t>10/18/20</a:t>
             </a:fld>
             <a:endParaRPr lang="en-US"/>
           </a:p>
@@ -2459,7 +2459,7 @@
           <a:p>
             <a:fld id="{76A6DF96-24C9-6049-963C-8A018557765F}" type="datetimeFigureOut">
               <a:rPr lang="en-US" smtClean="0"/>
-              <a:t>10/17/2020</a:t>
+              <a:t>10/18/20</a:t>
             </a:fld>
             <a:endParaRPr lang="en-US"/>
           </a:p>
@@ -2747,7 +2747,7 @@
           <a:p>
             <a:fld id="{76A6DF96-24C9-6049-963C-8A018557765F}" type="datetimeFigureOut">
               <a:rPr lang="en-US" smtClean="0"/>
-              <a:t>10/17/2020</a:t>
+              <a:t>10/18/20</a:t>
             </a:fld>
             <a:endParaRPr lang="en-US"/>
           </a:p>
@@ -2988,7 +2988,7 @@
           <a:p>
             <a:fld id="{76A6DF96-24C9-6049-963C-8A018557765F}" type="datetimeFigureOut">
               <a:rPr lang="en-US" smtClean="0"/>
-              <a:t>10/17/2020</a:t>
+              <a:t>10/18/20</a:t>
             </a:fld>
             <a:endParaRPr lang="en-US"/>
           </a:p>
@@ -3901,6 +3901,13 @@
             </a:r>
           </a:p>
           <a:p>
+            <a:pPr lvl="1"/>
+            <a:r>
+              <a:rPr lang="en-US" sz="2000" dirty="0"/>
+              <a:t>Continued progress on Customer Requirements Document.</a:t>
+            </a:r>
+          </a:p>
+          <a:p>
             <a:r>
               <a:rPr lang="en-US" dirty="0"/>
               <a:t>Proof of Concept (</a:t>
@@ -3918,10 +3925,12 @@
             <a:pPr lvl="1"/>
             <a:r>
               <a:rPr lang="en-US" sz="2000" dirty="0"/>
-              <a:t>Prepared a plan on how to approach proving the concept, based on proposed technologies, tasks, etc. </a:t>
-            </a:r>
-          </a:p>
-          <a:p>
+              <a:t>Prepared a plan on how to approach proving the concept, based on proposed technologies, tasks, etc</a:t>
+            </a:r>
+            <a:r>
+              <a:rPr lang="en-US" sz="2000"/>
+              <a:t>. </a:t>
+            </a:r>
             <a:endParaRPr lang="en-US" sz="2000" dirty="0"/>
           </a:p>
         </p:txBody>
@@ -4385,15 +4394,7 @@
           <a:p>
             <a:r>
               <a:rPr lang="en-US" dirty="0"/>
-              <a:t>Project Schedule (</a:t>
-            </a:r>
-            <a:r>
-              <a:rPr lang="en-US" dirty="0" err="1"/>
-              <a:t>Aparna,Tumaris</a:t>
-            </a:r>
-            <a:r>
-              <a:rPr lang="en-US" dirty="0"/>
-              <a:t>)</a:t>
+              <a:t>Project Schedule (Aparna)</a:t>
             </a:r>
           </a:p>
           <a:p>
@@ -4425,7 +4426,19 @@
               <a:rPr lang="en-US" dirty="0" err="1">
                 <a:sym typeface="Wingdings" pitchFamily="2" charset="2"/>
               </a:rPr>
-              <a:t>Brandin,Jeffer</a:t>
+              <a:t>Jeffer</a:t>
+            </a:r>
+            <a:r>
+              <a:rPr lang="en-US" dirty="0">
+                <a:sym typeface="Wingdings" pitchFamily="2" charset="2"/>
+              </a:rPr>
+              <a:t>/Brandin/</a:t>
+            </a:r>
+            <a:r>
+              <a:rPr lang="en-US" dirty="0" err="1">
+                <a:sym typeface="Wingdings" pitchFamily="2" charset="2"/>
+              </a:rPr>
+              <a:t>Tumaris</a:t>
             </a:r>
             <a:r>
               <a:rPr lang="en-US" dirty="0">
@@ -4444,22 +4457,14 @@
           <a:p>
             <a:r>
               <a:rPr lang="en-US" dirty="0"/>
-              <a:t>Proof of Concept (</a:t>
-            </a:r>
-            <a:r>
-              <a:rPr lang="en-US" dirty="0" err="1"/>
-              <a:t>Siddharth,Adam</a:t>
-            </a:r>
-            <a:r>
-              <a:rPr lang="en-US" dirty="0"/>
-              <a:t>)</a:t>
+              <a:t>Proof of Concept (Adam/Sid)</a:t>
             </a:r>
           </a:p>
           <a:p>
             <a:pPr lvl="1"/>
             <a:r>
               <a:rPr lang="en-US" sz="2000" dirty="0"/>
-              <a:t>Develop and design proof of concept for the app. </a:t>
+              <a:t>Develop and design proof of concept for the project (i.e. Code) </a:t>
             </a:r>
           </a:p>
           <a:p>
